--- a/assets/events/save-new-dates-geosteering.pptx
+++ b/assets/events/save-new-dates-geosteering.pptx
@@ -3380,8 +3380,8 @@
         </p:blipFill>
         <p:spPr>
           <a:xfrm>
-            <a:off x="1259942" y="0"/>
-            <a:ext cx="7772400" cy="5180112"/>
+            <a:off x="0" y="-839720"/>
+            <a:ext cx="12192000" cy="8125666"/>
           </a:xfrm>
           <a:prstGeom prst="rect">
             <a:avLst/>
@@ -3402,8 +3402,8 @@
         </p:nvSpPr>
         <p:spPr>
           <a:xfrm>
-            <a:off x="2316479" y="1370112"/>
-            <a:ext cx="1546257" cy="338554"/>
+            <a:off x="1978181" y="1370112"/>
+            <a:ext cx="1884555" cy="400110"/>
           </a:xfrm>
           <a:prstGeom prst="rect">
             <a:avLst/>
@@ -3418,7 +3418,7 @@
           <a:p>
             <a:pPr algn="r"/>
             <a:r>
-              <a:rPr lang="en-NO" sz="1600" dirty="0">
+              <a:rPr lang="en-NO" sz="2000" dirty="0">
                 <a:solidFill>
                   <a:schemeClr val="bg1"/>
                 </a:solidFill>
@@ -3444,8 +3444,8 @@
         </p:nvSpPr>
         <p:spPr>
           <a:xfrm>
-            <a:off x="1500807" y="1708666"/>
-            <a:ext cx="2361929" cy="369332"/>
+            <a:off x="275359" y="1787602"/>
+            <a:ext cx="3583481" cy="523220"/>
           </a:xfrm>
           <a:prstGeom prst="rect">
             <a:avLst/>
@@ -3460,7 +3460,7 @@
           <a:p>
             <a:pPr algn="r"/>
             <a:r>
-              <a:rPr lang="en-NO" b="1" dirty="0">
+              <a:rPr lang="en-NO" sz="2800" b="1" dirty="0">
                 <a:solidFill>
                   <a:schemeClr val="bg1"/>
                 </a:solidFill>
@@ -3486,8 +3486,8 @@
         </p:nvSpPr>
         <p:spPr>
           <a:xfrm>
-            <a:off x="1892323" y="2077998"/>
-            <a:ext cx="1970412" cy="369332"/>
+            <a:off x="885847" y="2293442"/>
+            <a:ext cx="2972993" cy="523220"/>
           </a:xfrm>
           <a:prstGeom prst="rect">
             <a:avLst/>
@@ -3502,7 +3502,7 @@
           <a:p>
             <a:pPr algn="r"/>
             <a:r>
-              <a:rPr lang="en-NO" b="1" dirty="0">
+              <a:rPr lang="en-NO" sz="2800" b="1" dirty="0">
                 <a:solidFill>
                   <a:schemeClr val="bg1"/>
                 </a:solidFill>
@@ -3528,8 +3528,8 @@
         </p:nvSpPr>
         <p:spPr>
           <a:xfrm>
-            <a:off x="5146142" y="1662900"/>
-            <a:ext cx="2963119" cy="677108"/>
+            <a:off x="6096000" y="1570167"/>
+            <a:ext cx="4630883" cy="1015663"/>
           </a:xfrm>
           <a:prstGeom prst="rect">
             <a:avLst/>
@@ -3544,21 +3544,21 @@
           <a:p>
             <a:pPr algn="ctr"/>
             <a:r>
-              <a:rPr lang="en-NO" sz="2000" b="1" dirty="0">
+              <a:rPr lang="en-NO" sz="3200" b="1" dirty="0">
                 <a:latin typeface="Calibri" panose="020F0502020204030204" pitchFamily="34" charset="0"/>
                 <a:cs typeface="Calibri" panose="020F0502020204030204" pitchFamily="34" charset="0"/>
               </a:rPr>
               <a:t>3</a:t>
             </a:r>
             <a:r>
-              <a:rPr lang="en-NO" sz="2000" b="1" baseline="30000" dirty="0">
+              <a:rPr lang="en-NO" sz="3200" b="1" baseline="30000" dirty="0">
                 <a:latin typeface="Calibri" panose="020F0502020204030204" pitchFamily="34" charset="0"/>
                 <a:cs typeface="Calibri" panose="020F0502020204030204" pitchFamily="34" charset="0"/>
               </a:rPr>
               <a:t>rd </a:t>
             </a:r>
             <a:r>
-              <a:rPr lang="en-NO" sz="2000" b="1" dirty="0">
+              <a:rPr lang="en-NO" sz="3200" b="1" dirty="0">
                 <a:latin typeface="Calibri" panose="020F0502020204030204" pitchFamily="34" charset="0"/>
                 <a:cs typeface="Calibri" panose="020F0502020204030204" pitchFamily="34" charset="0"/>
               </a:rPr>
@@ -3568,7 +3568,7 @@
           <a:p>
             <a:pPr algn="ctr"/>
             <a:r>
-              <a:rPr lang="en-NO" b="1" dirty="0">
+              <a:rPr lang="en-NO" sz="2800" b="1" dirty="0">
                 <a:latin typeface="Calibri" panose="020F0502020204030204" pitchFamily="34" charset="0"/>
                 <a:cs typeface="Calibri" panose="020F0502020204030204" pitchFamily="34" charset="0"/>
               </a:rPr>
